--- a/Презентация.pptx
+++ b/Презентация.pptx
@@ -111,6 +111,36 @@
       </a:defRPr>
     </a:lvl9pPr>
   </p:defaultTextStyle>
+  <p:extLst>
+    <p:ext uri="{EFAFB233-063F-42B5-8137-9DF3F51BA10A}">
+      <p15:sldGuideLst xmlns:p15="http://schemas.microsoft.com/office/powerpoint/2012/main">
+        <p15:guide id="1" orient="horz" pos="2160">
+          <p15:clr>
+            <a:srgbClr val="A4A3A4"/>
+          </p15:clr>
+        </p15:guide>
+        <p15:guide id="2" pos="2880">
+          <p15:clr>
+            <a:srgbClr val="A4A3A4"/>
+          </p15:clr>
+        </p15:guide>
+      </p15:sldGuideLst>
+    </p:ext>
+    <p:ext uri="{2D200454-40CA-4A62-9FC3-DE9A4176ACB9}">
+      <p15:notesGuideLst xmlns:p15="http://schemas.microsoft.com/office/powerpoint/2012/main">
+        <p15:guide id="1" orient="horz" pos="2880">
+          <p15:clr>
+            <a:srgbClr val="A4A3A4"/>
+          </p15:clr>
+        </p15:guide>
+        <p15:guide id="2" pos="2160">
+          <p15:clr>
+            <a:srgbClr val="A4A3A4"/>
+          </p15:clr>
+        </p15:guide>
+      </p15:notesGuideLst>
+    </p:ext>
+  </p:extLst>
 </p:presentation>
 </file>
 
@@ -196,7 +226,7 @@
           <a:p>
             <a:fld id="{EB020D23-9CF2-4A32-9DFF-72564BD6BB5C}" type="datetimeFigureOut">
               <a:rPr lang="ru-RU" smtClean="0"/>
-              <a:t>04.03.2023</a:t>
+              <a:t>05.03.2023</a:t>
             </a:fld>
             <a:endParaRPr lang="ru-RU"/>
           </a:p>
@@ -317,10 +347,9 @@
           <a:lstStyle/>
           <a:p>
             <a:r>
-              <a:rPr lang="ru-RU" smtClean="0"/>
+              <a:rPr lang="ru-RU"/>
               <a:t>Образец заголовка</a:t>
             </a:r>
-            <a:endParaRPr lang="ru-RU"/>
           </a:p>
         </p:txBody>
       </p:sp>
@@ -436,10 +465,9 @@
           </a:lstStyle>
           <a:p>
             <a:r>
-              <a:rPr lang="ru-RU" smtClean="0"/>
+              <a:rPr lang="ru-RU"/>
               <a:t>Образец подзаголовка</a:t>
             </a:r>
-            <a:endParaRPr lang="ru-RU"/>
           </a:p>
         </p:txBody>
       </p:sp>
@@ -460,7 +488,7 @@
           <a:p>
             <a:fld id="{6AAE937E-5D92-4F9F-978E-57377F5C4F42}" type="datetimeFigureOut">
               <a:rPr lang="ru-RU" smtClean="0"/>
-              <a:t>04.03.2023</a:t>
+              <a:t>05.03.2023</a:t>
             </a:fld>
             <a:endParaRPr lang="ru-RU"/>
           </a:p>
@@ -554,10 +582,9 @@
           <a:lstStyle/>
           <a:p>
             <a:r>
-              <a:rPr lang="ru-RU" smtClean="0"/>
+              <a:rPr lang="ru-RU"/>
               <a:t>Образец заголовка</a:t>
             </a:r>
-            <a:endParaRPr lang="ru-RU"/>
           </a:p>
         </p:txBody>
       </p:sp>
@@ -578,38 +605,37 @@
           <a:p>
             <a:pPr lvl="0"/>
             <a:r>
-              <a:rPr lang="ru-RU" smtClean="0"/>
+              <a:rPr lang="ru-RU"/>
               <a:t>Образец текста</a:t>
             </a:r>
           </a:p>
           <a:p>
             <a:pPr lvl="1"/>
             <a:r>
-              <a:rPr lang="ru-RU" smtClean="0"/>
+              <a:rPr lang="ru-RU"/>
               <a:t>Второй уровень</a:t>
             </a:r>
           </a:p>
           <a:p>
             <a:pPr lvl="2"/>
             <a:r>
-              <a:rPr lang="ru-RU" smtClean="0"/>
+              <a:rPr lang="ru-RU"/>
               <a:t>Третий уровень</a:t>
             </a:r>
           </a:p>
           <a:p>
             <a:pPr lvl="3"/>
             <a:r>
-              <a:rPr lang="ru-RU" smtClean="0"/>
+              <a:rPr lang="ru-RU"/>
               <a:t>Четвертый уровень</a:t>
             </a:r>
           </a:p>
           <a:p>
             <a:pPr lvl="4"/>
             <a:r>
-              <a:rPr lang="ru-RU" smtClean="0"/>
+              <a:rPr lang="ru-RU"/>
               <a:t>Пятый уровень</a:t>
             </a:r>
-            <a:endParaRPr lang="ru-RU"/>
           </a:p>
         </p:txBody>
       </p:sp>
@@ -630,7 +656,7 @@
           <a:p>
             <a:fld id="{6AAE937E-5D92-4F9F-978E-57377F5C4F42}" type="datetimeFigureOut">
               <a:rPr lang="ru-RU" smtClean="0"/>
-              <a:t>04.03.2023</a:t>
+              <a:t>05.03.2023</a:t>
             </a:fld>
             <a:endParaRPr lang="ru-RU"/>
           </a:p>
@@ -729,10 +755,9 @@
           <a:lstStyle/>
           <a:p>
             <a:r>
-              <a:rPr lang="ru-RU" smtClean="0"/>
+              <a:rPr lang="ru-RU"/>
               <a:t>Образец заголовка</a:t>
             </a:r>
-            <a:endParaRPr lang="ru-RU"/>
           </a:p>
         </p:txBody>
       </p:sp>
@@ -758,38 +783,37 @@
           <a:p>
             <a:pPr lvl="0"/>
             <a:r>
-              <a:rPr lang="ru-RU" smtClean="0"/>
+              <a:rPr lang="ru-RU"/>
               <a:t>Образец текста</a:t>
             </a:r>
           </a:p>
           <a:p>
             <a:pPr lvl="1"/>
             <a:r>
-              <a:rPr lang="ru-RU" smtClean="0"/>
+              <a:rPr lang="ru-RU"/>
               <a:t>Второй уровень</a:t>
             </a:r>
           </a:p>
           <a:p>
             <a:pPr lvl="2"/>
             <a:r>
-              <a:rPr lang="ru-RU" smtClean="0"/>
+              <a:rPr lang="ru-RU"/>
               <a:t>Третий уровень</a:t>
             </a:r>
           </a:p>
           <a:p>
             <a:pPr lvl="3"/>
             <a:r>
-              <a:rPr lang="ru-RU" smtClean="0"/>
+              <a:rPr lang="ru-RU"/>
               <a:t>Четвертый уровень</a:t>
             </a:r>
           </a:p>
           <a:p>
             <a:pPr lvl="4"/>
             <a:r>
-              <a:rPr lang="ru-RU" smtClean="0"/>
+              <a:rPr lang="ru-RU"/>
               <a:t>Пятый уровень</a:t>
             </a:r>
-            <a:endParaRPr lang="ru-RU"/>
           </a:p>
         </p:txBody>
       </p:sp>
@@ -810,7 +834,7 @@
           <a:p>
             <a:fld id="{6AAE937E-5D92-4F9F-978E-57377F5C4F42}" type="datetimeFigureOut">
               <a:rPr lang="ru-RU" smtClean="0"/>
-              <a:t>04.03.2023</a:t>
+              <a:t>05.03.2023</a:t>
             </a:fld>
             <a:endParaRPr lang="ru-RU"/>
           </a:p>
@@ -904,10 +928,9 @@
           <a:lstStyle/>
           <a:p>
             <a:r>
-              <a:rPr lang="ru-RU" smtClean="0"/>
+              <a:rPr lang="ru-RU"/>
               <a:t>Образец заголовка</a:t>
             </a:r>
-            <a:endParaRPr lang="ru-RU"/>
           </a:p>
         </p:txBody>
       </p:sp>
@@ -928,38 +951,37 @@
           <a:p>
             <a:pPr lvl="0"/>
             <a:r>
-              <a:rPr lang="ru-RU" smtClean="0"/>
+              <a:rPr lang="ru-RU"/>
               <a:t>Образец текста</a:t>
             </a:r>
           </a:p>
           <a:p>
             <a:pPr lvl="1"/>
             <a:r>
-              <a:rPr lang="ru-RU" smtClean="0"/>
+              <a:rPr lang="ru-RU"/>
               <a:t>Второй уровень</a:t>
             </a:r>
           </a:p>
           <a:p>
             <a:pPr lvl="2"/>
             <a:r>
-              <a:rPr lang="ru-RU" smtClean="0"/>
+              <a:rPr lang="ru-RU"/>
               <a:t>Третий уровень</a:t>
             </a:r>
           </a:p>
           <a:p>
             <a:pPr lvl="3"/>
             <a:r>
-              <a:rPr lang="ru-RU" smtClean="0"/>
+              <a:rPr lang="ru-RU"/>
               <a:t>Четвертый уровень</a:t>
             </a:r>
           </a:p>
           <a:p>
             <a:pPr lvl="4"/>
             <a:r>
-              <a:rPr lang="ru-RU" smtClean="0"/>
+              <a:rPr lang="ru-RU"/>
               <a:t>Пятый уровень</a:t>
             </a:r>
-            <a:endParaRPr lang="ru-RU"/>
           </a:p>
         </p:txBody>
       </p:sp>
@@ -980,7 +1002,7 @@
           <a:p>
             <a:fld id="{6AAE937E-5D92-4F9F-978E-57377F5C4F42}" type="datetimeFigureOut">
               <a:rPr lang="ru-RU" smtClean="0"/>
-              <a:t>04.03.2023</a:t>
+              <a:t>05.03.2023</a:t>
             </a:fld>
             <a:endParaRPr lang="ru-RU"/>
           </a:p>
@@ -1083,10 +1105,9 @@
           </a:lstStyle>
           <a:p>
             <a:r>
-              <a:rPr lang="ru-RU" smtClean="0"/>
+              <a:rPr lang="ru-RU"/>
               <a:t>Образец заголовка</a:t>
             </a:r>
-            <a:endParaRPr lang="ru-RU"/>
           </a:p>
         </p:txBody>
       </p:sp>
@@ -1203,7 +1224,7 @@
           <a:p>
             <a:pPr lvl="0"/>
             <a:r>
-              <a:rPr lang="ru-RU" smtClean="0"/>
+              <a:rPr lang="ru-RU"/>
               <a:t>Образец текста</a:t>
             </a:r>
           </a:p>
@@ -1226,7 +1247,7 @@
           <a:p>
             <a:fld id="{6AAE937E-5D92-4F9F-978E-57377F5C4F42}" type="datetimeFigureOut">
               <a:rPr lang="ru-RU" smtClean="0"/>
-              <a:t>04.03.2023</a:t>
+              <a:t>05.03.2023</a:t>
             </a:fld>
             <a:endParaRPr lang="ru-RU"/>
           </a:p>
@@ -1320,10 +1341,9 @@
           <a:lstStyle/>
           <a:p>
             <a:r>
-              <a:rPr lang="ru-RU" smtClean="0"/>
+              <a:rPr lang="ru-RU"/>
               <a:t>Образец заголовка</a:t>
             </a:r>
-            <a:endParaRPr lang="ru-RU"/>
           </a:p>
         </p:txBody>
       </p:sp>
@@ -1377,38 +1397,37 @@
           <a:p>
             <a:pPr lvl="0"/>
             <a:r>
-              <a:rPr lang="ru-RU" smtClean="0"/>
+              <a:rPr lang="ru-RU"/>
               <a:t>Образец текста</a:t>
             </a:r>
           </a:p>
           <a:p>
             <a:pPr lvl="1"/>
             <a:r>
-              <a:rPr lang="ru-RU" smtClean="0"/>
+              <a:rPr lang="ru-RU"/>
               <a:t>Второй уровень</a:t>
             </a:r>
           </a:p>
           <a:p>
             <a:pPr lvl="2"/>
             <a:r>
-              <a:rPr lang="ru-RU" smtClean="0"/>
+              <a:rPr lang="ru-RU"/>
               <a:t>Третий уровень</a:t>
             </a:r>
           </a:p>
           <a:p>
             <a:pPr lvl="3"/>
             <a:r>
-              <a:rPr lang="ru-RU" smtClean="0"/>
+              <a:rPr lang="ru-RU"/>
               <a:t>Четвертый уровень</a:t>
             </a:r>
           </a:p>
           <a:p>
             <a:pPr lvl="4"/>
             <a:r>
-              <a:rPr lang="ru-RU" smtClean="0"/>
+              <a:rPr lang="ru-RU"/>
               <a:t>Пятый уровень</a:t>
             </a:r>
-            <a:endParaRPr lang="ru-RU"/>
           </a:p>
         </p:txBody>
       </p:sp>
@@ -1462,38 +1481,37 @@
           <a:p>
             <a:pPr lvl="0"/>
             <a:r>
-              <a:rPr lang="ru-RU" smtClean="0"/>
+              <a:rPr lang="ru-RU"/>
               <a:t>Образец текста</a:t>
             </a:r>
           </a:p>
           <a:p>
             <a:pPr lvl="1"/>
             <a:r>
-              <a:rPr lang="ru-RU" smtClean="0"/>
+              <a:rPr lang="ru-RU"/>
               <a:t>Второй уровень</a:t>
             </a:r>
           </a:p>
           <a:p>
             <a:pPr lvl="2"/>
             <a:r>
-              <a:rPr lang="ru-RU" smtClean="0"/>
+              <a:rPr lang="ru-RU"/>
               <a:t>Третий уровень</a:t>
             </a:r>
           </a:p>
           <a:p>
             <a:pPr lvl="3"/>
             <a:r>
-              <a:rPr lang="ru-RU" smtClean="0"/>
+              <a:rPr lang="ru-RU"/>
               <a:t>Четвертый уровень</a:t>
             </a:r>
           </a:p>
           <a:p>
             <a:pPr lvl="4"/>
             <a:r>
-              <a:rPr lang="ru-RU" smtClean="0"/>
+              <a:rPr lang="ru-RU"/>
               <a:t>Пятый уровень</a:t>
             </a:r>
-            <a:endParaRPr lang="ru-RU"/>
           </a:p>
         </p:txBody>
       </p:sp>
@@ -1514,7 +1532,7 @@
           <a:p>
             <a:fld id="{6AAE937E-5D92-4F9F-978E-57377F5C4F42}" type="datetimeFigureOut">
               <a:rPr lang="ru-RU" smtClean="0"/>
-              <a:t>04.03.2023</a:t>
+              <a:t>05.03.2023</a:t>
             </a:fld>
             <a:endParaRPr lang="ru-RU"/>
           </a:p>
@@ -1612,10 +1630,9 @@
           </a:lstStyle>
           <a:p>
             <a:r>
-              <a:rPr lang="ru-RU" smtClean="0"/>
+              <a:rPr lang="ru-RU"/>
               <a:t>Образец заголовка</a:t>
             </a:r>
-            <a:endParaRPr lang="ru-RU"/>
           </a:p>
         </p:txBody>
       </p:sp>
@@ -1678,7 +1695,7 @@
           <a:p>
             <a:pPr lvl="0"/>
             <a:r>
-              <a:rPr lang="ru-RU" smtClean="0"/>
+              <a:rPr lang="ru-RU"/>
               <a:t>Образец текста</a:t>
             </a:r>
           </a:p>
@@ -1734,38 +1751,37 @@
           <a:p>
             <a:pPr lvl="0"/>
             <a:r>
-              <a:rPr lang="ru-RU" smtClean="0"/>
+              <a:rPr lang="ru-RU"/>
               <a:t>Образец текста</a:t>
             </a:r>
           </a:p>
           <a:p>
             <a:pPr lvl="1"/>
             <a:r>
-              <a:rPr lang="ru-RU" smtClean="0"/>
+              <a:rPr lang="ru-RU"/>
               <a:t>Второй уровень</a:t>
             </a:r>
           </a:p>
           <a:p>
             <a:pPr lvl="2"/>
             <a:r>
-              <a:rPr lang="ru-RU" smtClean="0"/>
+              <a:rPr lang="ru-RU"/>
               <a:t>Третий уровень</a:t>
             </a:r>
           </a:p>
           <a:p>
             <a:pPr lvl="3"/>
             <a:r>
-              <a:rPr lang="ru-RU" smtClean="0"/>
+              <a:rPr lang="ru-RU"/>
               <a:t>Четвертый уровень</a:t>
             </a:r>
           </a:p>
           <a:p>
             <a:pPr lvl="4"/>
             <a:r>
-              <a:rPr lang="ru-RU" smtClean="0"/>
+              <a:rPr lang="ru-RU"/>
               <a:t>Пятый уровень</a:t>
             </a:r>
-            <a:endParaRPr lang="ru-RU"/>
           </a:p>
         </p:txBody>
       </p:sp>
@@ -1828,7 +1844,7 @@
           <a:p>
             <a:pPr lvl="0"/>
             <a:r>
-              <a:rPr lang="ru-RU" smtClean="0"/>
+              <a:rPr lang="ru-RU"/>
               <a:t>Образец текста</a:t>
             </a:r>
           </a:p>
@@ -1884,38 +1900,37 @@
           <a:p>
             <a:pPr lvl="0"/>
             <a:r>
-              <a:rPr lang="ru-RU" smtClean="0"/>
+              <a:rPr lang="ru-RU"/>
               <a:t>Образец текста</a:t>
             </a:r>
           </a:p>
           <a:p>
             <a:pPr lvl="1"/>
             <a:r>
-              <a:rPr lang="ru-RU" smtClean="0"/>
+              <a:rPr lang="ru-RU"/>
               <a:t>Второй уровень</a:t>
             </a:r>
           </a:p>
           <a:p>
             <a:pPr lvl="2"/>
             <a:r>
-              <a:rPr lang="ru-RU" smtClean="0"/>
+              <a:rPr lang="ru-RU"/>
               <a:t>Третий уровень</a:t>
             </a:r>
           </a:p>
           <a:p>
             <a:pPr lvl="3"/>
             <a:r>
-              <a:rPr lang="ru-RU" smtClean="0"/>
+              <a:rPr lang="ru-RU"/>
               <a:t>Четвертый уровень</a:t>
             </a:r>
           </a:p>
           <a:p>
             <a:pPr lvl="4"/>
             <a:r>
-              <a:rPr lang="ru-RU" smtClean="0"/>
+              <a:rPr lang="ru-RU"/>
               <a:t>Пятый уровень</a:t>
             </a:r>
-            <a:endParaRPr lang="ru-RU"/>
           </a:p>
         </p:txBody>
       </p:sp>
@@ -1936,7 +1951,7 @@
           <a:p>
             <a:fld id="{6AAE937E-5D92-4F9F-978E-57377F5C4F42}" type="datetimeFigureOut">
               <a:rPr lang="ru-RU" smtClean="0"/>
-              <a:t>04.03.2023</a:t>
+              <a:t>05.03.2023</a:t>
             </a:fld>
             <a:endParaRPr lang="ru-RU"/>
           </a:p>
@@ -2030,10 +2045,9 @@
           <a:lstStyle/>
           <a:p>
             <a:r>
-              <a:rPr lang="ru-RU" smtClean="0"/>
+              <a:rPr lang="ru-RU"/>
               <a:t>Образец заголовка</a:t>
             </a:r>
-            <a:endParaRPr lang="ru-RU"/>
           </a:p>
         </p:txBody>
       </p:sp>
@@ -2054,7 +2068,7 @@
           <a:p>
             <a:fld id="{6AAE937E-5D92-4F9F-978E-57377F5C4F42}" type="datetimeFigureOut">
               <a:rPr lang="ru-RU" smtClean="0"/>
-              <a:t>04.03.2023</a:t>
+              <a:t>05.03.2023</a:t>
             </a:fld>
             <a:endParaRPr lang="ru-RU"/>
           </a:p>
@@ -2149,7 +2163,7 @@
           <a:p>
             <a:fld id="{6AAE937E-5D92-4F9F-978E-57377F5C4F42}" type="datetimeFigureOut">
               <a:rPr lang="ru-RU" smtClean="0"/>
-              <a:t>04.03.2023</a:t>
+              <a:t>05.03.2023</a:t>
             </a:fld>
             <a:endParaRPr lang="ru-RU"/>
           </a:p>
@@ -2252,10 +2266,9 @@
           </a:lstStyle>
           <a:p>
             <a:r>
-              <a:rPr lang="ru-RU" smtClean="0"/>
+              <a:rPr lang="ru-RU"/>
               <a:t>Образец заголовка</a:t>
             </a:r>
-            <a:endParaRPr lang="ru-RU"/>
           </a:p>
         </p:txBody>
       </p:sp>
@@ -2309,38 +2322,37 @@
           <a:p>
             <a:pPr lvl="0"/>
             <a:r>
-              <a:rPr lang="ru-RU" smtClean="0"/>
+              <a:rPr lang="ru-RU"/>
               <a:t>Образец текста</a:t>
             </a:r>
           </a:p>
           <a:p>
             <a:pPr lvl="1"/>
             <a:r>
-              <a:rPr lang="ru-RU" smtClean="0"/>
+              <a:rPr lang="ru-RU"/>
               <a:t>Второй уровень</a:t>
             </a:r>
           </a:p>
           <a:p>
             <a:pPr lvl="2"/>
             <a:r>
-              <a:rPr lang="ru-RU" smtClean="0"/>
+              <a:rPr lang="ru-RU"/>
               <a:t>Третий уровень</a:t>
             </a:r>
           </a:p>
           <a:p>
             <a:pPr lvl="3"/>
             <a:r>
-              <a:rPr lang="ru-RU" smtClean="0"/>
+              <a:rPr lang="ru-RU"/>
               <a:t>Четвертый уровень</a:t>
             </a:r>
           </a:p>
           <a:p>
             <a:pPr lvl="4"/>
             <a:r>
-              <a:rPr lang="ru-RU" smtClean="0"/>
+              <a:rPr lang="ru-RU"/>
               <a:t>Пятый уровень</a:t>
             </a:r>
-            <a:endParaRPr lang="ru-RU"/>
           </a:p>
         </p:txBody>
       </p:sp>
@@ -2403,7 +2415,7 @@
           <a:p>
             <a:pPr lvl="0"/>
             <a:r>
-              <a:rPr lang="ru-RU" smtClean="0"/>
+              <a:rPr lang="ru-RU"/>
               <a:t>Образец текста</a:t>
             </a:r>
           </a:p>
@@ -2426,7 +2438,7 @@
           <a:p>
             <a:fld id="{6AAE937E-5D92-4F9F-978E-57377F5C4F42}" type="datetimeFigureOut">
               <a:rPr lang="ru-RU" smtClean="0"/>
-              <a:t>04.03.2023</a:t>
+              <a:t>05.03.2023</a:t>
             </a:fld>
             <a:endParaRPr lang="ru-RU"/>
           </a:p>
@@ -2529,10 +2541,9 @@
           </a:lstStyle>
           <a:p>
             <a:r>
-              <a:rPr lang="ru-RU" smtClean="0"/>
+              <a:rPr lang="ru-RU"/>
               <a:t>Образец заголовка</a:t>
             </a:r>
-            <a:endParaRPr lang="ru-RU"/>
           </a:p>
         </p:txBody>
       </p:sp>
@@ -2656,7 +2667,7 @@
           <a:p>
             <a:pPr lvl="0"/>
             <a:r>
-              <a:rPr lang="ru-RU" smtClean="0"/>
+              <a:rPr lang="ru-RU"/>
               <a:t>Образец текста</a:t>
             </a:r>
           </a:p>
@@ -2679,7 +2690,7 @@
           <a:p>
             <a:fld id="{6AAE937E-5D92-4F9F-978E-57377F5C4F42}" type="datetimeFigureOut">
               <a:rPr lang="ru-RU" smtClean="0"/>
-              <a:t>04.03.2023</a:t>
+              <a:t>05.03.2023</a:t>
             </a:fld>
             <a:endParaRPr lang="ru-RU"/>
           </a:p>
@@ -2788,10 +2799,9 @@
           <a:lstStyle/>
           <a:p>
             <a:r>
-              <a:rPr lang="ru-RU" smtClean="0"/>
+              <a:rPr lang="ru-RU"/>
               <a:t>Образец заголовка</a:t>
             </a:r>
-            <a:endParaRPr lang="ru-RU"/>
           </a:p>
         </p:txBody>
       </p:sp>
@@ -2822,38 +2832,37 @@
           <a:p>
             <a:pPr lvl="0"/>
             <a:r>
-              <a:rPr lang="ru-RU" smtClean="0"/>
+              <a:rPr lang="ru-RU"/>
               <a:t>Образец текста</a:t>
             </a:r>
           </a:p>
           <a:p>
             <a:pPr lvl="1"/>
             <a:r>
-              <a:rPr lang="ru-RU" smtClean="0"/>
+              <a:rPr lang="ru-RU"/>
               <a:t>Второй уровень</a:t>
             </a:r>
           </a:p>
           <a:p>
             <a:pPr lvl="2"/>
             <a:r>
-              <a:rPr lang="ru-RU" smtClean="0"/>
+              <a:rPr lang="ru-RU"/>
               <a:t>Третий уровень</a:t>
             </a:r>
           </a:p>
           <a:p>
             <a:pPr lvl="3"/>
             <a:r>
-              <a:rPr lang="ru-RU" smtClean="0"/>
+              <a:rPr lang="ru-RU"/>
               <a:t>Четвертый уровень</a:t>
             </a:r>
           </a:p>
           <a:p>
             <a:pPr lvl="4"/>
             <a:r>
-              <a:rPr lang="ru-RU" smtClean="0"/>
+              <a:rPr lang="ru-RU"/>
               <a:t>Пятый уровень</a:t>
             </a:r>
-            <a:endParaRPr lang="ru-RU"/>
           </a:p>
         </p:txBody>
       </p:sp>
@@ -2892,7 +2901,7 @@
           <a:p>
             <a:fld id="{6AAE937E-5D92-4F9F-978E-57377F5C4F42}" type="datetimeFigureOut">
               <a:rPr lang="ru-RU" smtClean="0"/>
-              <a:t>04.03.2023</a:t>
+              <a:t>05.03.2023</a:t>
             </a:fld>
             <a:endParaRPr lang="ru-RU"/>
           </a:p>
@@ -3283,11 +3292,11 @@
           <a:lstStyle/>
           <a:p>
             <a:r>
-              <a:rPr lang="ru-RU" dirty="0" smtClean="0"/>
+              <a:rPr lang="ru-RU" dirty="0"/>
               <a:t>Игра-</a:t>
             </a:r>
             <a:r>
-              <a:rPr lang="ru-RU" dirty="0" err="1" smtClean="0"/>
+              <a:rPr lang="ru-RU" dirty="0" err="1"/>
               <a:t>платформер</a:t>
             </a:r>
             <a:endParaRPr lang="ru-RU" dirty="0"/>
@@ -3317,45 +3326,24 @@
           <a:lstStyle/>
           <a:p>
             <a:r>
-              <a:rPr lang="ru-RU" sz="2800" dirty="0" smtClean="0">
+              <a:rPr lang="ru-RU" sz="2800" dirty="0">
                 <a:solidFill>
                   <a:schemeClr val="tx1"/>
                 </a:solidFill>
               </a:rPr>
-              <a:t>Авторы </a:t>
-            </a:r>
-            <a:r>
-              <a:rPr lang="ru-RU" sz="2800" dirty="0" smtClean="0">
-                <a:solidFill>
-                  <a:schemeClr val="tx1"/>
-                </a:solidFill>
-              </a:rPr>
-              <a:t>проекта: Ней </a:t>
-            </a:r>
-            <a:r>
-              <a:rPr lang="ru-RU" sz="2800" dirty="0" smtClean="0">
-                <a:solidFill>
-                  <a:schemeClr val="tx1"/>
-                </a:solidFill>
-              </a:rPr>
-              <a:t>Даниэль</a:t>
+              <a:t>Авторы проекта: Ней Даниэль</a:t>
             </a:r>
           </a:p>
           <a:p>
             <a:pPr algn="r"/>
             <a:r>
-              <a:rPr lang="ru-RU" sz="2800" dirty="0" smtClean="0">
+              <a:rPr lang="ru-RU" sz="2800" dirty="0">
                 <a:solidFill>
                   <a:schemeClr val="tx1"/>
                 </a:solidFill>
               </a:rPr>
               <a:t>Поляков Даниил</a:t>
             </a:r>
-            <a:endParaRPr lang="ru-RU" sz="2800" dirty="0">
-              <a:solidFill>
-                <a:schemeClr val="tx1"/>
-              </a:solidFill>
-            </a:endParaRPr>
           </a:p>
         </p:txBody>
       </p:sp>
@@ -3412,10 +3400,9 @@
           <a:lstStyle/>
           <a:p>
             <a:r>
-              <a:rPr lang="ru-RU" dirty="0" smtClean="0"/>
+              <a:rPr lang="ru-RU" dirty="0"/>
               <a:t>Идея и цели</a:t>
             </a:r>
-            <a:endParaRPr lang="ru-RU" dirty="0"/>
           </a:p>
         </p:txBody>
       </p:sp>
@@ -3443,26 +3430,25 @@
               <a:buNone/>
             </a:pPr>
             <a:r>
-              <a:rPr lang="ru-RU" dirty="0" smtClean="0"/>
+              <a:rPr lang="ru-RU" dirty="0"/>
               <a:t>Цель проекта заключается в создании игры-</a:t>
             </a:r>
             <a:r>
-              <a:rPr lang="ru-RU" dirty="0" err="1" smtClean="0"/>
+              <a:rPr lang="ru-RU" dirty="0" err="1"/>
               <a:t>платформера</a:t>
             </a:r>
             <a:r>
-              <a:rPr lang="ru-RU" dirty="0" smtClean="0"/>
-              <a:t> используя ресурсы библиотеки </a:t>
-            </a:r>
-            <a:r>
-              <a:rPr lang="en-US" dirty="0" err="1" smtClean="0"/>
+              <a:rPr lang="ru-RU" dirty="0"/>
+              <a:t>, используя ресурсы библиотеки </a:t>
+            </a:r>
+            <a:r>
+              <a:rPr lang="en-US" dirty="0" err="1"/>
               <a:t>Pygame</a:t>
             </a:r>
             <a:r>
-              <a:rPr lang="ru-RU" dirty="0" smtClean="0"/>
+              <a:rPr lang="ru-RU" dirty="0"/>
               <a:t>.</a:t>
             </a:r>
-            <a:endParaRPr lang="ru-RU" dirty="0" smtClean="0"/>
           </a:p>
         </p:txBody>
       </p:sp>
@@ -3517,10 +3503,9 @@
           <a:lstStyle/>
           <a:p>
             <a:r>
-              <a:rPr lang="ru-RU" dirty="0" smtClean="0"/>
+              <a:rPr lang="ru-RU" dirty="0"/>
               <a:t>Реализация</a:t>
             </a:r>
-            <a:endParaRPr lang="ru-RU" dirty="0"/>
           </a:p>
         </p:txBody>
       </p:sp>
@@ -3545,15 +3530,15 @@
               <a:buNone/>
             </a:pPr>
             <a:r>
-              <a:rPr lang="ru-RU" sz="2800" dirty="0" smtClean="0"/>
+              <a:rPr lang="ru-RU" sz="2800" dirty="0"/>
               <a:t>Для создания разнообразных врагов был создан класс </a:t>
             </a:r>
             <a:r>
-              <a:rPr lang="en-US" sz="2800" dirty="0" smtClean="0"/>
-              <a:t>Enemy </a:t>
-            </a:r>
-            <a:r>
-              <a:rPr lang="ru-RU" sz="2800" dirty="0" smtClean="0"/>
+              <a:rPr lang="en-US" sz="2800" dirty="0"/>
+              <a:t>Enemy</a:t>
+            </a:r>
+            <a:r>
+              <a:rPr lang="ru-RU" sz="2800" dirty="0"/>
               <a:t>, от которого были образованы все противники с уникальными шаблонами поведения.</a:t>
             </a:r>
           </a:p>
@@ -3562,7 +3547,7 @@
               <a:buNone/>
             </a:pPr>
             <a:r>
-              <a:rPr lang="ru-RU" sz="2800" dirty="0" smtClean="0"/>
+              <a:rPr lang="ru-RU" sz="2800" dirty="0"/>
               <a:t>Все части интерфейса, такие как кнопки, поля ввода, поля  с текстом, вынесены в отдельные классы, где им можно задавать размеры, функции при нажатии и другие параметры.</a:t>
             </a:r>
           </a:p>
@@ -3571,10 +3556,9 @@
               <a:buNone/>
             </a:pPr>
             <a:r>
-              <a:rPr lang="ru-RU" sz="2800" dirty="0" smtClean="0"/>
+              <a:rPr lang="ru-RU" sz="2800" dirty="0"/>
               <a:t>Экраны вроде экрана начала игры, паузы, конца игры сделаны с помощью подобных частей.</a:t>
             </a:r>
-            <a:endParaRPr lang="ru-RU" sz="2800" dirty="0"/>
           </a:p>
         </p:txBody>
       </p:sp>
@@ -3624,10 +3608,9 @@
           <a:lstStyle/>
           <a:p>
             <a:r>
-              <a:rPr lang="ru-RU" dirty="0" smtClean="0"/>
+              <a:rPr lang="ru-RU" dirty="0"/>
               <a:t>Особенности реализации</a:t>
             </a:r>
-            <a:endParaRPr lang="ru-RU" dirty="0"/>
           </a:p>
         </p:txBody>
       </p:sp>
@@ -3657,15 +3640,15 @@
               <a:buNone/>
             </a:pPr>
             <a:r>
-              <a:rPr lang="ru-RU" sz="2400" dirty="0" smtClean="0"/>
+              <a:rPr lang="ru-RU" sz="2400" dirty="0"/>
               <a:t>Для разнообразия игрового процесса игрок передвигается прямо по поверхности платформ. Для этого каждый кадр игрок перемещается вверх, пока столкновения с </a:t>
             </a:r>
             <a:r>
-              <a:rPr lang="ru-RU" sz="2400" dirty="0" err="1" smtClean="0"/>
+              <a:rPr lang="ru-RU" sz="2400" dirty="0" err="1"/>
               <a:t>платормой</a:t>
             </a:r>
             <a:r>
-              <a:rPr lang="ru-RU" sz="2400" dirty="0" smtClean="0"/>
+              <a:rPr lang="ru-RU" sz="2400" dirty="0"/>
               <a:t> не будет, а затем опускается вниз, чтобы стоять прямо на платформе.</a:t>
             </a:r>
           </a:p>
@@ -3674,30 +3657,29 @@
               <a:buNone/>
             </a:pPr>
             <a:r>
-              <a:rPr lang="ru-RU" sz="2400" dirty="0" smtClean="0"/>
+              <a:rPr lang="ru-RU" sz="2400" dirty="0"/>
               <a:t>В меню игры были добавлены «настройки», в которых пользователь может включить полноэкранный режим, для чего вызывается метод </a:t>
             </a:r>
             <a:r>
-              <a:rPr lang="en-US" sz="2400" dirty="0" err="1" smtClean="0"/>
+              <a:rPr lang="en-US" sz="2400" dirty="0" err="1"/>
               <a:t>pygame.display.fullscreen</a:t>
             </a:r>
             <a:r>
-              <a:rPr lang="en-US" sz="2400" dirty="0" smtClean="0"/>
+              <a:rPr lang="en-US" sz="2400" dirty="0"/>
               <a:t>()</a:t>
             </a:r>
             <a:r>
-              <a:rPr lang="ru-RU" sz="2400" dirty="0" smtClean="0"/>
+              <a:rPr lang="ru-RU" sz="2400" dirty="0"/>
               <a:t>. К сожалению, такая реализация плохо работает для систем, работающих на </a:t>
             </a:r>
             <a:r>
-              <a:rPr lang="en-US" sz="2400" dirty="0" smtClean="0"/>
+              <a:rPr lang="en-US" sz="2400" dirty="0"/>
               <a:t>Windows</a:t>
             </a:r>
             <a:r>
-              <a:rPr lang="ru-RU" sz="2400" dirty="0" smtClean="0"/>
+              <a:rPr lang="ru-RU" sz="2400" dirty="0"/>
               <a:t> и может вызвать ошибку, поэтому переключение не сработает, если устройство пользователя не поддерживает полноэкранный режим.</a:t>
             </a:r>
-            <a:endParaRPr lang="ru-RU" sz="2400" dirty="0"/>
           </a:p>
         </p:txBody>
       </p:sp>
@@ -3754,10 +3736,9 @@
           <a:lstStyle/>
           <a:p>
             <a:r>
-              <a:rPr lang="ru-RU" dirty="0" smtClean="0"/>
+              <a:rPr lang="ru-RU" dirty="0"/>
               <a:t>Выводы и возможные пути доработки</a:t>
             </a:r>
-            <a:endParaRPr lang="ru-RU" dirty="0"/>
           </a:p>
         </p:txBody>
       </p:sp>
@@ -3779,7 +3760,7 @@
         </p:spPr>
         <p:txBody>
           <a:bodyPr>
-            <a:normAutofit/>
+            <a:normAutofit lnSpcReduction="10000"/>
           </a:bodyPr>
           <a:lstStyle/>
           <a:p>
@@ -3787,22 +3768,17 @@
               <a:buNone/>
             </a:pPr>
             <a:r>
-              <a:rPr lang="ru-RU" sz="2400" dirty="0" smtClean="0"/>
-              <a:t>Итак, </a:t>
-            </a:r>
-            <a:r>
-              <a:rPr lang="ru-RU" sz="2400" dirty="0" smtClean="0"/>
-              <a:t>мы реализовали игру-</a:t>
-            </a:r>
-            <a:r>
-              <a:rPr lang="ru-RU" sz="2400" dirty="0" err="1" smtClean="0"/>
+              <a:rPr lang="ru-RU" sz="2400" dirty="0"/>
+              <a:t>Итак, мы реализовали игру-</a:t>
+            </a:r>
+            <a:r>
+              <a:rPr lang="ru-RU" sz="2400" dirty="0" err="1"/>
               <a:t>платформер</a:t>
             </a:r>
             <a:r>
-              <a:rPr lang="ru-RU" sz="2400" dirty="0" smtClean="0"/>
-              <a:t>, в которой можно проходить уровень набирая очки и исследовать свои и чужие результаты.</a:t>
-            </a:r>
-            <a:endParaRPr lang="ru-RU" sz="2400" dirty="0" smtClean="0"/>
+              <a:rPr lang="ru-RU" sz="2400" dirty="0"/>
+              <a:t>, в которой можно проходить уровень, набирая очки, и сравнивать свои и чужие результаты.</a:t>
+            </a:r>
           </a:p>
           <a:p>
             <a:pPr marL="0" indent="0" algn="just">
@@ -3810,21 +3786,8 @@
             </a:pPr>
             <a:r>
               <a:rPr lang="ru-RU" sz="2400" dirty="0"/>
-              <a:t>П</a:t>
-            </a:r>
-            <a:r>
-              <a:rPr lang="ru-RU" sz="2400" dirty="0" smtClean="0"/>
-              <a:t>роект </a:t>
-            </a:r>
-            <a:r>
-              <a:rPr lang="ru-RU" sz="2400" dirty="0" smtClean="0"/>
-              <a:t>можно </a:t>
-            </a:r>
-            <a:r>
-              <a:rPr lang="ru-RU" sz="2400" dirty="0" smtClean="0"/>
-              <a:t>развить, добавив поддержку полноэкранного режима для любых устройств, добавлением новых врагов и боссов, а также удобным экспортом таблицы рекордов.</a:t>
-            </a:r>
-            <a:endParaRPr lang="ru-RU" sz="2400" dirty="0"/>
+              <a:t>Проект можно развить, добавив поддержку полноэкранного режима для любых устройств, добавлением новых врагов и боссов, реализацией новых механик, а также удобным экспортом таблицы рекордов.</a:t>
+            </a:r>
           </a:p>
         </p:txBody>
       </p:sp>

--- a/Презентация.pptx
+++ b/Презентация.pptx
@@ -113,7 +113,7 @@
   </p:defaultTextStyle>
   <p:extLst>
     <p:ext uri="{EFAFB233-063F-42B5-8137-9DF3F51BA10A}">
-      <p15:sldGuideLst xmlns:p15="http://schemas.microsoft.com/office/powerpoint/2012/main">
+      <p15:sldGuideLst xmlns:p15="http://schemas.microsoft.com/office/powerpoint/2012/main" xmlns="">
         <p15:guide id="1" orient="horz" pos="2160">
           <p15:clr>
             <a:srgbClr val="A4A3A4"/>
@@ -127,7 +127,7 @@
       </p15:sldGuideLst>
     </p:ext>
     <p:ext uri="{2D200454-40CA-4A62-9FC3-DE9A4176ACB9}">
-      <p15:notesGuideLst xmlns:p15="http://schemas.microsoft.com/office/powerpoint/2012/main">
+      <p15:notesGuideLst xmlns:p15="http://schemas.microsoft.com/office/powerpoint/2012/main" xmlns="">
         <p15:guide id="1" orient="horz" pos="2880">
           <p15:clr>
             <a:srgbClr val="A4A3A4"/>
@@ -3641,15 +3641,19 @@
             </a:pPr>
             <a:r>
               <a:rPr lang="ru-RU" sz="2400" dirty="0"/>
-              <a:t>Для разнообразия игрового процесса игрок передвигается прямо по поверхности платформ. Для этого каждый кадр игрок перемещается вверх, пока столкновения с </a:t>
-            </a:r>
-            <a:r>
-              <a:rPr lang="ru-RU" sz="2400" dirty="0" err="1"/>
-              <a:t>платормой</a:t>
+              <a:t>Для разнообразия игрового процесса игрок передвигается прямо по поверхности платформ. Для этого каждый кадр игрок перемещается вверх, пока столкновения </a:t>
+            </a:r>
+            <a:r>
+              <a:rPr lang="ru-RU" sz="2400"/>
+              <a:t>с </a:t>
+            </a:r>
+            <a:r>
+              <a:rPr lang="ru-RU" sz="2400" smtClean="0"/>
+              <a:t>платформой </a:t>
             </a:r>
             <a:r>
               <a:rPr lang="ru-RU" sz="2400" dirty="0"/>
-              <a:t> не будет, а затем опускается вниз, чтобы стоять прямо на платформе.</a:t>
+              <a:t>не будет, а затем опускается вниз, чтобы стоять прямо на платформе.</a:t>
             </a:r>
           </a:p>
           <a:p>
